--- a/Open Data期末報告.pptx
+++ b/Open Data期末報告.pptx
@@ -3952,11 +3952,7 @@
           <a:p>
             <a:r>
               <a:rPr lang="zh-TW" altLang="en-US" dirty="0" smtClean="0"/>
-              <a:t>學生姓名：郭閎</a:t>
-            </a:r>
-            <a:r>
-              <a:rPr lang="zh-TW" altLang="en-US" dirty="0" smtClean="0"/>
-              <a:t>中</a:t>
+              <a:t>學生姓名：郭閎中</a:t>
             </a:r>
             <a:endParaRPr lang="en-US" altLang="zh-TW" dirty="0" smtClean="0"/>
           </a:p>
@@ -5575,11 +5571,7 @@
             </a:r>
             <a:r>
               <a:rPr lang="zh-TW" altLang="en-US" dirty="0" smtClean="0"/>
-              <a:t>版本安裝</a:t>
-            </a:r>
-            <a:r>
-              <a:rPr lang="zh-TW" altLang="en-US" dirty="0" smtClean="0"/>
-              <a:t>教學 </a:t>
+              <a:t>版本安裝教學 </a:t>
             </a:r>
             <a:endParaRPr lang="zh-TW" altLang="en-US" dirty="0"/>
           </a:p>
@@ -5639,8 +5631,75 @@
               <a:t>進行</a:t>
             </a:r>
             <a:r>
+              <a:rPr lang="en-US" altLang="zh-TW" dirty="0" smtClean="0"/>
+              <a:t>)</a:t>
+            </a:r>
+            <a:endParaRPr lang="zh-TW" altLang="en-US" dirty="0"/>
+          </a:p>
+          <a:p>
+            <a:pPr marL="0" indent="0">
+              <a:buNone/>
+            </a:pPr>
+            <a:r>
               <a:rPr lang="en-US" altLang="zh-TW" dirty="0"/>
-              <a:t>)</a:t>
+              <a:t>2.  </a:t>
+            </a:r>
+            <a:r>
+              <a:rPr lang="zh-TW" altLang="en-US" dirty="0"/>
+              <a:t>安裝 </a:t>
+            </a:r>
+            <a:r>
+              <a:rPr lang="en-US" altLang="zh-TW" dirty="0"/>
+              <a:t>pip</a:t>
+            </a:r>
+            <a:r>
+              <a:rPr lang="zh-TW" altLang="en-US" dirty="0" smtClean="0"/>
+              <a:t>：</a:t>
+            </a:r>
+            <a:endParaRPr lang="en-US" altLang="zh-TW" dirty="0" smtClean="0"/>
+          </a:p>
+          <a:p>
+            <a:r>
+              <a:rPr lang="en-US" altLang="zh-TW" b="0" dirty="0" smtClean="0"/>
+              <a:t>- </a:t>
+            </a:r>
+            <a:r>
+              <a:rPr lang="zh-TW" altLang="en-US" b="0" dirty="0" smtClean="0"/>
+              <a:t>執行</a:t>
+            </a:r>
+            <a:r>
+              <a:rPr lang="zh-TW" altLang="en-US" b="0" dirty="0"/>
+              <a:t>指令進行安裝：</a:t>
+            </a:r>
+            <a:r>
+              <a:rPr lang="en-US" altLang="zh-TW" b="0" dirty="0"/>
+              <a:t>python setup.py </a:t>
+            </a:r>
+            <a:r>
+              <a:rPr lang="en-US" altLang="zh-TW" b="0" dirty="0" smtClean="0"/>
+              <a:t>install</a:t>
+            </a:r>
+            <a:endParaRPr lang="en-US" altLang="zh-TW" b="0" dirty="0"/>
+          </a:p>
+          <a:p>
+            <a:pPr marL="0" indent="0">
+              <a:buNone/>
+            </a:pPr>
+            <a:r>
+              <a:rPr lang="en-US" altLang="zh-TW" dirty="0" smtClean="0"/>
+              <a:t>3</a:t>
+            </a:r>
+            <a:r>
+              <a:rPr lang="en-US" altLang="zh-TW" dirty="0"/>
+              <a:t>. </a:t>
+            </a:r>
+            <a:r>
+              <a:rPr lang="zh-TW" altLang="en-US" dirty="0"/>
+              <a:t>安裝 </a:t>
+            </a:r>
+            <a:r>
+              <a:rPr lang="en-US" altLang="zh-TW" dirty="0"/>
+              <a:t>selenium</a:t>
             </a:r>
             <a:r>
               <a:rPr lang="zh-TW" altLang="en-US" dirty="0"/>
@@ -5652,8 +5711,16 @@
               <a:buNone/>
             </a:pPr>
             <a:r>
-              <a:rPr lang="zh-TW" altLang="en-US" dirty="0"/>
-              <a:t> </a:t>
+              <a:rPr lang="zh-TW" altLang="en-US" b="0" dirty="0"/>
+              <a:t>在 </a:t>
+            </a:r>
+            <a:r>
+              <a:rPr lang="en-US" altLang="zh-TW" b="0" dirty="0"/>
+              <a:t>command line </a:t>
+            </a:r>
+            <a:r>
+              <a:rPr lang="zh-TW" altLang="en-US" b="0" dirty="0"/>
+              <a:t>下輸入以下指令進行安裝：</a:t>
             </a:r>
           </a:p>
           <a:p>
@@ -5661,105 +5728,13 @@
               <a:buNone/>
             </a:pPr>
             <a:r>
-              <a:rPr lang="en-US" altLang="zh-TW" dirty="0"/>
-              <a:t>2.  </a:t>
-            </a:r>
-            <a:r>
-              <a:rPr lang="zh-TW" altLang="en-US" dirty="0"/>
-              <a:t>安裝 </a:t>
-            </a:r>
-            <a:r>
-              <a:rPr lang="en-US" altLang="zh-TW" dirty="0"/>
-              <a:t>pip</a:t>
-            </a:r>
-            <a:r>
-              <a:rPr lang="zh-TW" altLang="en-US" dirty="0" smtClean="0"/>
-              <a:t>：</a:t>
-            </a:r>
-            <a:endParaRPr lang="en-US" altLang="zh-TW" dirty="0" smtClean="0"/>
-          </a:p>
-          <a:p>
+              <a:rPr lang="en-US" altLang="zh-TW" b="0" dirty="0"/>
+              <a:t>C:\Python26\Scripts\pip.exe install -U </a:t>
+            </a:r>
             <a:r>
               <a:rPr lang="en-US" altLang="zh-TW" b="0" dirty="0" smtClean="0"/>
-              <a:t>- </a:t>
-            </a:r>
-            <a:r>
-              <a:rPr lang="zh-TW" altLang="en-US" b="0" dirty="0" smtClean="0"/>
-              <a:t>執行</a:t>
-            </a:r>
-            <a:r>
-              <a:rPr lang="zh-TW" altLang="en-US" b="0" dirty="0"/>
-              <a:t>指令進行安裝：</a:t>
-            </a:r>
-            <a:r>
-              <a:rPr lang="en-US" altLang="zh-TW" dirty="0"/>
-              <a:t>python setup.py </a:t>
-            </a:r>
-            <a:r>
-              <a:rPr lang="en-US" altLang="zh-TW" dirty="0" smtClean="0"/>
-              <a:t>install</a:t>
-            </a:r>
-            <a:endParaRPr lang="en-US" altLang="zh-TW" dirty="0"/>
-          </a:p>
-          <a:p>
-            <a:pPr marL="0" indent="0">
-              <a:buNone/>
-            </a:pPr>
-            <a:r>
-              <a:rPr lang="en-US" altLang="zh-TW" dirty="0" smtClean="0"/>
-              <a:t>3</a:t>
-            </a:r>
-            <a:r>
-              <a:rPr lang="en-US" altLang="zh-TW" dirty="0"/>
-              <a:t>. </a:t>
-            </a:r>
-            <a:r>
-              <a:rPr lang="zh-TW" altLang="en-US" dirty="0"/>
-              <a:t>安裝 </a:t>
-            </a:r>
-            <a:r>
-              <a:rPr lang="en-US" altLang="zh-TW" dirty="0"/>
               <a:t>selenium</a:t>
             </a:r>
-            <a:r>
-              <a:rPr lang="zh-TW" altLang="en-US" dirty="0"/>
-              <a:t>：</a:t>
-            </a:r>
-          </a:p>
-          <a:p>
-            <a:pPr marL="0" indent="0">
-              <a:buNone/>
-            </a:pPr>
-            <a:r>
-              <a:rPr lang="zh-TW" altLang="en-US" dirty="0"/>
-              <a:t>在 </a:t>
-            </a:r>
-            <a:r>
-              <a:rPr lang="en-US" altLang="zh-TW" dirty="0"/>
-              <a:t>command line </a:t>
-            </a:r>
-            <a:r>
-              <a:rPr lang="zh-TW" altLang="en-US" dirty="0"/>
-              <a:t>下輸入以下指令進行安裝：</a:t>
-            </a:r>
-          </a:p>
-          <a:p>
-            <a:pPr marL="0" indent="0">
-              <a:buNone/>
-            </a:pPr>
-            <a:r>
-              <a:rPr lang="en-US" altLang="zh-TW" dirty="0"/>
-              <a:t>C:\Python26\Scripts\</a:t>
-            </a:r>
-            <a:r>
-              <a:rPr lang="en-US" altLang="zh-TW" b="1" dirty="0"/>
-              <a:t>pip.exe install -U </a:t>
-            </a:r>
-            <a:r>
-              <a:rPr lang="en-US" altLang="zh-TW" b="1" dirty="0" smtClean="0"/>
-              <a:t>selenium</a:t>
-            </a:r>
-            <a:endParaRPr lang="en-US" altLang="zh-TW" dirty="0" smtClean="0"/>
           </a:p>
           <a:p>
             <a:pPr marL="0" indent="0">
@@ -5783,15 +5758,15 @@
               <a:buNone/>
             </a:pPr>
             <a:r>
-              <a:rPr lang="zh-TW" altLang="en-US" dirty="0" smtClean="0"/>
+              <a:rPr lang="zh-TW" altLang="en-US" b="0" dirty="0" smtClean="0"/>
               <a:t>在 </a:t>
             </a:r>
             <a:r>
-              <a:rPr lang="en-US" altLang="zh-TW" dirty="0" smtClean="0"/>
+              <a:rPr lang="en-US" altLang="zh-TW" b="0" dirty="0" smtClean="0"/>
               <a:t>command line </a:t>
             </a:r>
             <a:r>
-              <a:rPr lang="zh-TW" altLang="en-US" dirty="0" smtClean="0"/>
+              <a:rPr lang="zh-TW" altLang="en-US" b="0" dirty="0" smtClean="0"/>
               <a:t>下輸入以下指令進行安裝：</a:t>
             </a:r>
           </a:p>
@@ -5800,14 +5775,9 @@
               <a:buNone/>
             </a:pPr>
             <a:r>
-              <a:rPr lang="en-US" altLang="zh-TW" dirty="0" smtClean="0"/>
-              <a:t>c:\Python26\Scripts\</a:t>
-            </a:r>
-            <a:r>
-              <a:rPr lang="en-US" altLang="zh-TW" b="1" dirty="0" smtClean="0"/>
-              <a:t>pip.exe install purl</a:t>
-            </a:r>
-            <a:endParaRPr lang="en-US" altLang="zh-TW" dirty="0" smtClean="0"/>
+              <a:rPr lang="en-US" altLang="zh-TW" b="0" dirty="0" smtClean="0"/>
+              <a:t>c:\Python26\Scripts\pip.exe install purl</a:t>
+            </a:r>
           </a:p>
           <a:p>
             <a:endParaRPr lang="en-US" altLang="zh-TW" dirty="0"/>
@@ -5971,19 +5941,27 @@
           <a:lstStyle/>
           <a:p>
             <a:r>
-              <a:rPr lang="en-US" altLang="zh-TW" b="0" dirty="0"/>
+              <a:rPr lang="en-US" altLang="zh-TW" dirty="0"/>
               <a:t>5. selenium </a:t>
             </a:r>
             <a:r>
-              <a:rPr lang="zh-TW" altLang="en-US" b="0" dirty="0"/>
-              <a:t>必要元件（</a:t>
-            </a:r>
-            <a:r>
-              <a:rPr lang="en-US" altLang="zh-TW" b="0" dirty="0"/>
-              <a:t>RC &amp; WebDriver </a:t>
-            </a:r>
-            <a:r>
-              <a:rPr lang="zh-TW" altLang="en-US" b="0" dirty="0" smtClean="0"/>
+              <a:rPr lang="zh-TW" altLang="en-US" dirty="0"/>
+              <a:t>必要元件</a:t>
+            </a:r>
+            <a:r>
+              <a:rPr lang="zh-TW" altLang="en-US" dirty="0" smtClean="0"/>
+              <a:t>（</a:t>
+            </a:r>
+            <a:r>
+              <a:rPr lang="en-US" altLang="zh-TW" dirty="0" smtClean="0"/>
+              <a:t> </a:t>
+            </a:r>
+            <a:r>
+              <a:rPr lang="en-US" altLang="zh-TW" dirty="0"/>
+              <a:t>WebDriver </a:t>
+            </a:r>
+            <a:r>
+              <a:rPr lang="zh-TW" altLang="en-US" dirty="0" smtClean="0"/>
               <a:t>）</a:t>
             </a:r>
             <a:r>
@@ -6276,17 +6254,22 @@
           <a:lstStyle/>
           <a:p>
             <a:r>
-              <a:rPr lang="en-US" altLang="zh-TW" b="0" dirty="0"/>
-              <a:t>7.  </a:t>
-            </a:r>
-            <a:r>
-              <a:rPr lang="zh-TW" altLang="en-US" b="0" dirty="0"/>
+              <a:rPr lang="en-US" altLang="zh-TW" dirty="0"/>
+              <a:t>6</a:t>
+            </a:r>
+            <a:r>
+              <a:rPr lang="en-US" altLang="zh-TW" dirty="0" smtClean="0"/>
+              <a:t>.</a:t>
+            </a:r>
+            <a:r>
+              <a:rPr lang="en-US" altLang="zh-TW" dirty="0"/>
+              <a:t>  </a:t>
+            </a:r>
+            <a:r>
+              <a:rPr lang="zh-TW" altLang="en-US" dirty="0" smtClean="0"/>
               <a:t>測試</a:t>
             </a:r>
-            <a:r>
-              <a:rPr lang="en-US" altLang="zh-TW" b="0" dirty="0"/>
-              <a:t>:</a:t>
-            </a:r>
+            <a:endParaRPr lang="en-US" altLang="zh-TW" dirty="0"/>
           </a:p>
           <a:p>
             <a:r>
@@ -6382,14 +6365,14 @@
           </a:p>
           <a:p>
             <a:r>
-              <a:rPr lang="zh-TW" altLang="en-US" b="0" dirty="0"/>
+              <a:rPr lang="zh-TW" altLang="en-US" dirty="0"/>
               <a:t>下一頁</a:t>
             </a:r>
             <a:r>
-              <a:rPr lang="zh-TW" altLang="en-US" b="0" dirty="0" smtClean="0"/>
+              <a:rPr lang="zh-TW" altLang="en-US" dirty="0" smtClean="0"/>
               <a:t>範例：</a:t>
             </a:r>
-            <a:endParaRPr lang="en-US" altLang="zh-TW" b="0" dirty="0" smtClean="0"/>
+            <a:endParaRPr lang="en-US" altLang="zh-TW" dirty="0" smtClean="0"/>
           </a:p>
           <a:p>
             <a:r>
@@ -6638,11 +6621,7 @@
             </a:r>
             <a:r>
               <a:rPr lang="en-US" altLang="zh-TW" sz="1000" dirty="0" smtClean="0"/>
-              <a:t> </a:t>
-            </a:r>
-            <a:r>
-              <a:rPr lang="en-US" altLang="zh-TW" sz="1000" dirty="0" smtClean="0"/>
-              <a:t>= </a:t>
+              <a:t> = </a:t>
             </a:r>
             <a:r>
               <a:rPr lang="en-US" altLang="zh-TW" sz="1000" dirty="0" err="1" smtClean="0"/>
@@ -6908,7 +6887,6 @@
               <a:rPr lang="en-US" altLang="zh-TW" sz="1000" dirty="0" smtClean="0"/>
               <a:t>();</a:t>
             </a:r>
-            <a:endParaRPr lang="en-US" altLang="zh-TW" sz="1000" dirty="0" smtClean="0"/>
           </a:p>
         </p:txBody>
       </p:sp>
